--- a/2019 04 05 - Présentation client.pptx
+++ b/2019 04 05 - Présentation client.pptx
@@ -108,6 +108,11 @@
       </a:defRPr>
     </a:lvl9pPr>
   </p:defaultTextStyle>
+  <p:extLst>
+    <p:ext uri="{EFAFB233-063F-42B5-8137-9DF3F51BA10A}">
+      <p15:sldGuideLst xmlns:p15="http://schemas.microsoft.com/office/powerpoint/2012/main"/>
+    </p:ext>
+  </p:extLst>
 </p:presentation>
 </file>
 
@@ -873,12 +878,8 @@
         <a:lstStyle/>
         <a:p>
           <a:r>
-            <a:rPr lang="fr-FR" dirty="0" smtClean="0"/>
-            <a:t>Home page + </a:t>
-          </a:r>
-          <a:r>
-            <a:rPr lang="fr-FR" dirty="0" err="1" smtClean="0"/>
-            <a:t>template</a:t>
+            <a:rPr lang="fr-FR" smtClean="0"/>
+            <a:t>Définition besoin client</a:t>
           </a:r>
           <a:endParaRPr lang="fr-FR" dirty="0"/>
         </a:p>
@@ -951,12 +952,16 @@
         <a:lstStyle/>
         <a:p>
           <a:r>
-            <a:rPr lang="fr-FR" dirty="0" smtClean="0"/>
+            <a:rPr lang="fr-FR" smtClean="0"/>
             <a:t>Fonction</a:t>
           </a:r>
           <a:r>
+            <a:rPr lang="fr-FR" baseline="0" smtClean="0"/>
+            <a:t> </a:t>
+          </a:r>
+          <a:r>
             <a:rPr lang="fr-FR" baseline="0" dirty="0" smtClean="0"/>
-            <a:t> avancées (calendrier, paiement,, </a:t>
+            <a:t>avancées (calendrier, paiement,, </a:t>
           </a:r>
           <a:r>
             <a:rPr lang="mr-IN" baseline="0" dirty="0" smtClean="0"/>
@@ -1029,6 +1034,51 @@
         </a:p>
       </dgm:t>
     </dgm:pt>
+    <dgm:pt modelId="{B097E50E-26C2-394A-B5BB-205F79FD1559}">
+      <dgm:prSet phldrT="[Texte]"/>
+      <dgm:spPr/>
+      <dgm:t>
+        <a:bodyPr/>
+        <a:lstStyle/>
+        <a:p>
+          <a:r>
+            <a:rPr lang="fr-FR" dirty="0" smtClean="0"/>
+            <a:t>Home page + </a:t>
+          </a:r>
+          <a:r>
+            <a:rPr lang="fr-FR" dirty="0" err="1" smtClean="0"/>
+            <a:t>templates</a:t>
+          </a:r>
+          <a:r>
+            <a:rPr lang="fr-FR" dirty="0" smtClean="0"/>
+            <a:t> (pages)</a:t>
+          </a:r>
+          <a:endParaRPr lang="fr-FR" dirty="0"/>
+        </a:p>
+      </dgm:t>
+    </dgm:pt>
+    <dgm:pt modelId="{8F6BB86B-C223-3D4B-9166-19CEC579C097}" type="parTrans" cxnId="{C3C8AEFD-FF60-284D-A1C8-E3BB58F23ACC}">
+      <dgm:prSet/>
+      <dgm:spPr/>
+      <dgm:t>
+        <a:bodyPr/>
+        <a:lstStyle/>
+        <a:p>
+          <a:endParaRPr lang="fr-FR"/>
+        </a:p>
+      </dgm:t>
+    </dgm:pt>
+    <dgm:pt modelId="{23483641-126E-744A-98D0-232E07C92728}" type="sibTrans" cxnId="{C3C8AEFD-FF60-284D-A1C8-E3BB58F23ACC}">
+      <dgm:prSet/>
+      <dgm:spPr/>
+      <dgm:t>
+        <a:bodyPr/>
+        <a:lstStyle/>
+        <a:p>
+          <a:endParaRPr lang="fr-FR"/>
+        </a:p>
+      </dgm:t>
+    </dgm:pt>
     <dgm:pt modelId="{74570E27-018F-B940-BB51-50662FBE05FD}" type="pres">
       <dgm:prSet presAssocID="{B1516A14-DEC1-9640-9268-3F156913E1A6}" presName="Name0" presStyleCnt="0">
         <dgm:presLayoutVars>
@@ -1039,23 +1089,67 @@
       <dgm:spPr/>
     </dgm:pt>
     <dgm:pt modelId="{30989058-1F46-C94D-8BD4-0AA29A7F8885}" type="pres">
-      <dgm:prSet presAssocID="{291043CF-E7DE-EC42-9287-43D3843A62A6}" presName="node" presStyleLbl="node1" presStyleIdx="0" presStyleCnt="4">
+      <dgm:prSet presAssocID="{291043CF-E7DE-EC42-9287-43D3843A62A6}" presName="node" presStyleLbl="node1" presStyleIdx="0" presStyleCnt="5">
         <dgm:presLayoutVars>
           <dgm:bulletEnabled val="1"/>
         </dgm:presLayoutVars>
       </dgm:prSet>
       <dgm:spPr/>
+      <dgm:t>
+        <a:bodyPr/>
+        <a:lstStyle/>
+        <a:p>
+          <a:endParaRPr lang="fr-FR"/>
+        </a:p>
+      </dgm:t>
     </dgm:pt>
     <dgm:pt modelId="{67AB7D3B-32FC-224E-82D5-9B5D74268CAC}" type="pres">
-      <dgm:prSet presAssocID="{C27100F2-DE2C-AD44-8B57-FB80FDF0B7B8}" presName="sibTrans" presStyleLbl="sibTrans2D1" presStyleIdx="0" presStyleCnt="3"/>
+      <dgm:prSet presAssocID="{C27100F2-DE2C-AD44-8B57-FB80FDF0B7B8}" presName="sibTrans" presStyleLbl="sibTrans2D1" presStyleIdx="0" presStyleCnt="4"/>
+      <dgm:spPr/>
+      <dgm:t>
+        <a:bodyPr/>
+        <a:lstStyle/>
+        <a:p>
+          <a:endParaRPr lang="fr-FR"/>
+        </a:p>
+      </dgm:t>
+    </dgm:pt>
+    <dgm:pt modelId="{D52CE4C1-C87C-AC4D-AE63-D0C145E12ADC}" type="pres">
+      <dgm:prSet presAssocID="{C27100F2-DE2C-AD44-8B57-FB80FDF0B7B8}" presName="connectorText" presStyleLbl="sibTrans2D1" presStyleIdx="0" presStyleCnt="4"/>
+      <dgm:spPr/>
+      <dgm:t>
+        <a:bodyPr/>
+        <a:lstStyle/>
+        <a:p>
+          <a:endParaRPr lang="fr-FR"/>
+        </a:p>
+      </dgm:t>
+    </dgm:pt>
+    <dgm:pt modelId="{BBF07634-A12A-D34C-8305-7A0146DEE4E8}" type="pres">
+      <dgm:prSet presAssocID="{B097E50E-26C2-394A-B5BB-205F79FD1559}" presName="node" presStyleLbl="node1" presStyleIdx="1" presStyleCnt="5">
+        <dgm:presLayoutVars>
+          <dgm:bulletEnabled val="1"/>
+        </dgm:presLayoutVars>
+      </dgm:prSet>
+      <dgm:spPr/>
+      <dgm:t>
+        <a:bodyPr/>
+        <a:lstStyle/>
+        <a:p>
+          <a:endParaRPr lang="fr-FR"/>
+        </a:p>
+      </dgm:t>
+    </dgm:pt>
+    <dgm:pt modelId="{3B2CF1D1-1949-AB43-AED4-DA821E50CA69}" type="pres">
+      <dgm:prSet presAssocID="{23483641-126E-744A-98D0-232E07C92728}" presName="sibTrans" presStyleLbl="sibTrans2D1" presStyleIdx="1" presStyleCnt="4"/>
       <dgm:spPr/>
     </dgm:pt>
-    <dgm:pt modelId="{D52CE4C1-C87C-AC4D-AE63-D0C145E12ADC}" type="pres">
-      <dgm:prSet presAssocID="{C27100F2-DE2C-AD44-8B57-FB80FDF0B7B8}" presName="connectorText" presStyleLbl="sibTrans2D1" presStyleIdx="0" presStyleCnt="3"/>
+    <dgm:pt modelId="{15B1E728-EE1A-F34F-9408-0508B5A467FA}" type="pres">
+      <dgm:prSet presAssocID="{23483641-126E-744A-98D0-232E07C92728}" presName="connectorText" presStyleLbl="sibTrans2D1" presStyleIdx="1" presStyleCnt="4"/>
       <dgm:spPr/>
     </dgm:pt>
     <dgm:pt modelId="{68DBDC1D-DF05-DE48-ABAF-D087D470228C}" type="pres">
-      <dgm:prSet presAssocID="{D51C61A4-D13F-034A-8D9A-EF064E640A56}" presName="node" presStyleLbl="node1" presStyleIdx="1" presStyleCnt="4">
+      <dgm:prSet presAssocID="{D51C61A4-D13F-034A-8D9A-EF064E640A56}" presName="node" presStyleLbl="node1" presStyleIdx="2" presStyleCnt="5">
         <dgm:presLayoutVars>
           <dgm:bulletEnabled val="1"/>
         </dgm:presLayoutVars>
@@ -1070,15 +1164,29 @@
       </dgm:t>
     </dgm:pt>
     <dgm:pt modelId="{47DF74C3-BD1B-934A-B2B8-3E5ED5DEF554}" type="pres">
-      <dgm:prSet presAssocID="{64F5F28D-E363-1146-A469-FA5686AA465F}" presName="sibTrans" presStyleLbl="sibTrans2D1" presStyleIdx="1" presStyleCnt="3"/>
+      <dgm:prSet presAssocID="{64F5F28D-E363-1146-A469-FA5686AA465F}" presName="sibTrans" presStyleLbl="sibTrans2D1" presStyleIdx="2" presStyleCnt="4"/>
       <dgm:spPr/>
+      <dgm:t>
+        <a:bodyPr/>
+        <a:lstStyle/>
+        <a:p>
+          <a:endParaRPr lang="fr-FR"/>
+        </a:p>
+      </dgm:t>
     </dgm:pt>
     <dgm:pt modelId="{B7BDEF29-CA1C-274A-AE16-4691A40ADF29}" type="pres">
-      <dgm:prSet presAssocID="{64F5F28D-E363-1146-A469-FA5686AA465F}" presName="connectorText" presStyleLbl="sibTrans2D1" presStyleIdx="1" presStyleCnt="3"/>
+      <dgm:prSet presAssocID="{64F5F28D-E363-1146-A469-FA5686AA465F}" presName="connectorText" presStyleLbl="sibTrans2D1" presStyleIdx="2" presStyleCnt="4"/>
       <dgm:spPr/>
+      <dgm:t>
+        <a:bodyPr/>
+        <a:lstStyle/>
+        <a:p>
+          <a:endParaRPr lang="fr-FR"/>
+        </a:p>
+      </dgm:t>
     </dgm:pt>
     <dgm:pt modelId="{69ACE686-5472-E346-BB92-D663E1D664A2}" type="pres">
-      <dgm:prSet presAssocID="{E566380A-3386-4849-976A-23D7AE4EBD73}" presName="node" presStyleLbl="node1" presStyleIdx="2" presStyleCnt="4">
+      <dgm:prSet presAssocID="{E566380A-3386-4849-976A-23D7AE4EBD73}" presName="node" presStyleLbl="node1" presStyleIdx="3" presStyleCnt="5">
         <dgm:presLayoutVars>
           <dgm:bulletEnabled val="1"/>
         </dgm:presLayoutVars>
@@ -1093,15 +1201,29 @@
       </dgm:t>
     </dgm:pt>
     <dgm:pt modelId="{088CBA1E-C3FE-6448-8164-1AC3056B689A}" type="pres">
-      <dgm:prSet presAssocID="{0088BCBD-A918-6E4A-A8DC-B561AA25CF03}" presName="sibTrans" presStyleLbl="sibTrans2D1" presStyleIdx="2" presStyleCnt="3"/>
+      <dgm:prSet presAssocID="{0088BCBD-A918-6E4A-A8DC-B561AA25CF03}" presName="sibTrans" presStyleLbl="sibTrans2D1" presStyleIdx="3" presStyleCnt="4"/>
       <dgm:spPr/>
+      <dgm:t>
+        <a:bodyPr/>
+        <a:lstStyle/>
+        <a:p>
+          <a:endParaRPr lang="fr-FR"/>
+        </a:p>
+      </dgm:t>
     </dgm:pt>
     <dgm:pt modelId="{B9DF1A73-3678-594A-B10A-7B724F3ED148}" type="pres">
-      <dgm:prSet presAssocID="{0088BCBD-A918-6E4A-A8DC-B561AA25CF03}" presName="connectorText" presStyleLbl="sibTrans2D1" presStyleIdx="2" presStyleCnt="3"/>
+      <dgm:prSet presAssocID="{0088BCBD-A918-6E4A-A8DC-B561AA25CF03}" presName="connectorText" presStyleLbl="sibTrans2D1" presStyleIdx="3" presStyleCnt="4"/>
       <dgm:spPr/>
+      <dgm:t>
+        <a:bodyPr/>
+        <a:lstStyle/>
+        <a:p>
+          <a:endParaRPr lang="fr-FR"/>
+        </a:p>
+      </dgm:t>
     </dgm:pt>
     <dgm:pt modelId="{32CCE57F-ED38-8649-8E90-F2550D1DDF61}" type="pres">
-      <dgm:prSet presAssocID="{023A3673-5860-0349-B6E4-0DE40273983F}" presName="node" presStyleLbl="node1" presStyleIdx="3" presStyleCnt="4">
+      <dgm:prSet presAssocID="{023A3673-5860-0349-B6E4-0DE40273983F}" presName="node" presStyleLbl="node1" presStyleIdx="4" presStyleCnt="5">
         <dgm:presLayoutVars>
           <dgm:bulletEnabled val="1"/>
         </dgm:presLayoutVars>
@@ -1117,31 +1239,38 @@
     </dgm:pt>
   </dgm:ptLst>
   <dgm:cxnLst>
-    <dgm:cxn modelId="{991C5968-78DE-134C-B6D3-FF92F3FCAFCF}" srcId="{B1516A14-DEC1-9640-9268-3F156913E1A6}" destId="{D51C61A4-D13F-034A-8D9A-EF064E640A56}" srcOrd="1" destOrd="0" parTransId="{D24F04F5-280E-7041-AE7D-B99C46C44D0C}" sibTransId="{64F5F28D-E363-1146-A469-FA5686AA465F}"/>
+    <dgm:cxn modelId="{7A348E99-7B36-1247-8BEF-330C88B05FA8}" type="presOf" srcId="{B097E50E-26C2-394A-B5BB-205F79FD1559}" destId="{BBF07634-A12A-D34C-8305-7A0146DEE4E8}" srcOrd="0" destOrd="0" presId="urn:microsoft.com/office/officeart/2005/8/layout/process1"/>
+    <dgm:cxn modelId="{C3C8AEFD-FF60-284D-A1C8-E3BB58F23ACC}" srcId="{B1516A14-DEC1-9640-9268-3F156913E1A6}" destId="{B097E50E-26C2-394A-B5BB-205F79FD1559}" srcOrd="1" destOrd="0" parTransId="{8F6BB86B-C223-3D4B-9166-19CEC579C097}" sibTransId="{23483641-126E-744A-98D0-232E07C92728}"/>
+    <dgm:cxn modelId="{F40D40E3-3A7A-2C4B-81E0-E8DE52E40658}" type="presOf" srcId="{23483641-126E-744A-98D0-232E07C92728}" destId="{15B1E728-EE1A-F34F-9408-0508B5A467FA}" srcOrd="1" destOrd="0" presId="urn:microsoft.com/office/officeart/2005/8/layout/process1"/>
+    <dgm:cxn modelId="{BD20749F-DDD4-3243-800B-E7F091827B38}" type="presOf" srcId="{23483641-126E-744A-98D0-232E07C92728}" destId="{3B2CF1D1-1949-AB43-AED4-DA821E50CA69}" srcOrd="0" destOrd="0" presId="urn:microsoft.com/office/officeart/2005/8/layout/process1"/>
+    <dgm:cxn modelId="{991C5968-78DE-134C-B6D3-FF92F3FCAFCF}" srcId="{B1516A14-DEC1-9640-9268-3F156913E1A6}" destId="{D51C61A4-D13F-034A-8D9A-EF064E640A56}" srcOrd="2" destOrd="0" parTransId="{D24F04F5-280E-7041-AE7D-B99C46C44D0C}" sibTransId="{64F5F28D-E363-1146-A469-FA5686AA465F}"/>
     <dgm:cxn modelId="{22DF3CA4-D41E-5045-B319-9B47C0897FB0}" type="presOf" srcId="{64F5F28D-E363-1146-A469-FA5686AA465F}" destId="{B7BDEF29-CA1C-274A-AE16-4691A40ADF29}" srcOrd="1" destOrd="0" presId="urn:microsoft.com/office/officeart/2005/8/layout/process1"/>
     <dgm:cxn modelId="{41343284-EB7F-BE49-AA03-2AB317AF0C2D}" type="presOf" srcId="{D51C61A4-D13F-034A-8D9A-EF064E640A56}" destId="{68DBDC1D-DF05-DE48-ABAF-D087D470228C}" srcOrd="0" destOrd="0" presId="urn:microsoft.com/office/officeart/2005/8/layout/process1"/>
     <dgm:cxn modelId="{9E2683EB-C9C3-FE43-858E-209C8DA527B0}" type="presOf" srcId="{291043CF-E7DE-EC42-9287-43D3843A62A6}" destId="{30989058-1F46-C94D-8BD4-0AA29A7F8885}" srcOrd="0" destOrd="0" presId="urn:microsoft.com/office/officeart/2005/8/layout/process1"/>
-    <dgm:cxn modelId="{3EA86301-D7E2-4F4F-98A5-1E361AEE7BE1}" srcId="{B1516A14-DEC1-9640-9268-3F156913E1A6}" destId="{E566380A-3386-4849-976A-23D7AE4EBD73}" srcOrd="2" destOrd="0" parTransId="{25BB7B5D-84FF-7D41-AE91-E243F9AF4B64}" sibTransId="{0088BCBD-A918-6E4A-A8DC-B561AA25CF03}"/>
+    <dgm:cxn modelId="{3EA86301-D7E2-4F4F-98A5-1E361AEE7BE1}" srcId="{B1516A14-DEC1-9640-9268-3F156913E1A6}" destId="{E566380A-3386-4849-976A-23D7AE4EBD73}" srcOrd="3" destOrd="0" parTransId="{25BB7B5D-84FF-7D41-AE91-E243F9AF4B64}" sibTransId="{0088BCBD-A918-6E4A-A8DC-B561AA25CF03}"/>
     <dgm:cxn modelId="{3B0EBD03-3D27-7E4D-A74D-C36E9E43C861}" type="presOf" srcId="{0088BCBD-A918-6E4A-A8DC-B561AA25CF03}" destId="{B9DF1A73-3678-594A-B10A-7B724F3ED148}" srcOrd="1" destOrd="0" presId="urn:microsoft.com/office/officeart/2005/8/layout/process1"/>
     <dgm:cxn modelId="{BF29AB3B-6779-684B-AFDF-2310FF050BA5}" type="presOf" srcId="{C27100F2-DE2C-AD44-8B57-FB80FDF0B7B8}" destId="{67AB7D3B-32FC-224E-82D5-9B5D74268CAC}" srcOrd="0" destOrd="0" presId="urn:microsoft.com/office/officeart/2005/8/layout/process1"/>
+    <dgm:cxn modelId="{19BA394A-F57F-5A4B-AB68-6CF0298CA356}" srcId="{B1516A14-DEC1-9640-9268-3F156913E1A6}" destId="{023A3673-5860-0349-B6E4-0DE40273983F}" srcOrd="4" destOrd="0" parTransId="{5C2B8C16-1CCD-5745-8FC2-8B56A37778F2}" sibTransId="{DDAF841E-7E03-2844-BC4B-E0DC39710A06}"/>
     <dgm:cxn modelId="{5FB0450A-8702-5D4B-A0E3-26257C264C82}" type="presOf" srcId="{64F5F28D-E363-1146-A469-FA5686AA465F}" destId="{47DF74C3-BD1B-934A-B2B8-3E5ED5DEF554}" srcOrd="0" destOrd="0" presId="urn:microsoft.com/office/officeart/2005/8/layout/process1"/>
-    <dgm:cxn modelId="{19BA394A-F57F-5A4B-AB68-6CF0298CA356}" srcId="{B1516A14-DEC1-9640-9268-3F156913E1A6}" destId="{023A3673-5860-0349-B6E4-0DE40273983F}" srcOrd="3" destOrd="0" parTransId="{5C2B8C16-1CCD-5745-8FC2-8B56A37778F2}" sibTransId="{DDAF841E-7E03-2844-BC4B-E0DC39710A06}"/>
     <dgm:cxn modelId="{3787D841-E405-0D40-8674-1464D581754A}" type="presOf" srcId="{B1516A14-DEC1-9640-9268-3F156913E1A6}" destId="{74570E27-018F-B940-BB51-50662FBE05FD}" srcOrd="0" destOrd="0" presId="urn:microsoft.com/office/officeart/2005/8/layout/process1"/>
     <dgm:cxn modelId="{653F30AD-7C97-3146-A6FB-FBDA6B1898A2}" type="presOf" srcId="{0088BCBD-A918-6E4A-A8DC-B561AA25CF03}" destId="{088CBA1E-C3FE-6448-8164-1AC3056B689A}" srcOrd="0" destOrd="0" presId="urn:microsoft.com/office/officeart/2005/8/layout/process1"/>
+    <dgm:cxn modelId="{6DC2BB7C-72FC-354D-9463-63E7EEE5C3F8}" type="presOf" srcId="{E566380A-3386-4849-976A-23D7AE4EBD73}" destId="{69ACE686-5472-E346-BB92-D663E1D664A2}" srcOrd="0" destOrd="0" presId="urn:microsoft.com/office/officeart/2005/8/layout/process1"/>
     <dgm:cxn modelId="{907DC4B6-C932-EF47-BFC5-32656E9D6B65}" srcId="{B1516A14-DEC1-9640-9268-3F156913E1A6}" destId="{291043CF-E7DE-EC42-9287-43D3843A62A6}" srcOrd="0" destOrd="0" parTransId="{F446DF21-4752-B44B-9795-DE480D511843}" sibTransId="{C27100F2-DE2C-AD44-8B57-FB80FDF0B7B8}"/>
-    <dgm:cxn modelId="{6DC2BB7C-72FC-354D-9463-63E7EEE5C3F8}" type="presOf" srcId="{E566380A-3386-4849-976A-23D7AE4EBD73}" destId="{69ACE686-5472-E346-BB92-D663E1D664A2}" srcOrd="0" destOrd="0" presId="urn:microsoft.com/office/officeart/2005/8/layout/process1"/>
     <dgm:cxn modelId="{A9F91968-0964-C440-9070-0CA794F9FBAA}" type="presOf" srcId="{C27100F2-DE2C-AD44-8B57-FB80FDF0B7B8}" destId="{D52CE4C1-C87C-AC4D-AE63-D0C145E12ADC}" srcOrd="1" destOrd="0" presId="urn:microsoft.com/office/officeart/2005/8/layout/process1"/>
     <dgm:cxn modelId="{D3E398DF-88FD-0246-A05B-1DC037E428B1}" type="presOf" srcId="{023A3673-5860-0349-B6E4-0DE40273983F}" destId="{32CCE57F-ED38-8649-8E90-F2550D1DDF61}" srcOrd="0" destOrd="0" presId="urn:microsoft.com/office/officeart/2005/8/layout/process1"/>
     <dgm:cxn modelId="{4DBC707A-F8B2-854D-BD22-8684941F5F94}" type="presParOf" srcId="{74570E27-018F-B940-BB51-50662FBE05FD}" destId="{30989058-1F46-C94D-8BD4-0AA29A7F8885}" srcOrd="0" destOrd="0" presId="urn:microsoft.com/office/officeart/2005/8/layout/process1"/>
     <dgm:cxn modelId="{AB80EF3D-B276-B941-B22D-441772A92AF0}" type="presParOf" srcId="{74570E27-018F-B940-BB51-50662FBE05FD}" destId="{67AB7D3B-32FC-224E-82D5-9B5D74268CAC}" srcOrd="1" destOrd="0" presId="urn:microsoft.com/office/officeart/2005/8/layout/process1"/>
     <dgm:cxn modelId="{79E8F200-5543-4C45-8711-5EC2B7637D88}" type="presParOf" srcId="{67AB7D3B-32FC-224E-82D5-9B5D74268CAC}" destId="{D52CE4C1-C87C-AC4D-AE63-D0C145E12ADC}" srcOrd="0" destOrd="0" presId="urn:microsoft.com/office/officeart/2005/8/layout/process1"/>
-    <dgm:cxn modelId="{93BCC897-925D-444E-BF69-12B377A17B46}" type="presParOf" srcId="{74570E27-018F-B940-BB51-50662FBE05FD}" destId="{68DBDC1D-DF05-DE48-ABAF-D087D470228C}" srcOrd="2" destOrd="0" presId="urn:microsoft.com/office/officeart/2005/8/layout/process1"/>
-    <dgm:cxn modelId="{0DBBA920-35B5-0C4A-B9B8-9DA6258D3E77}" type="presParOf" srcId="{74570E27-018F-B940-BB51-50662FBE05FD}" destId="{47DF74C3-BD1B-934A-B2B8-3E5ED5DEF554}" srcOrd="3" destOrd="0" presId="urn:microsoft.com/office/officeart/2005/8/layout/process1"/>
+    <dgm:cxn modelId="{E2354192-F62C-344B-8A83-EC4073846CB8}" type="presParOf" srcId="{74570E27-018F-B940-BB51-50662FBE05FD}" destId="{BBF07634-A12A-D34C-8305-7A0146DEE4E8}" srcOrd="2" destOrd="0" presId="urn:microsoft.com/office/officeart/2005/8/layout/process1"/>
+    <dgm:cxn modelId="{7AE07F7D-6182-7044-831B-5EE5BAF2124C}" type="presParOf" srcId="{74570E27-018F-B940-BB51-50662FBE05FD}" destId="{3B2CF1D1-1949-AB43-AED4-DA821E50CA69}" srcOrd="3" destOrd="0" presId="urn:microsoft.com/office/officeart/2005/8/layout/process1"/>
+    <dgm:cxn modelId="{39411160-0B49-AC4D-AA73-716E45EFACDC}" type="presParOf" srcId="{3B2CF1D1-1949-AB43-AED4-DA821E50CA69}" destId="{15B1E728-EE1A-F34F-9408-0508B5A467FA}" srcOrd="0" destOrd="0" presId="urn:microsoft.com/office/officeart/2005/8/layout/process1"/>
+    <dgm:cxn modelId="{93BCC897-925D-444E-BF69-12B377A17B46}" type="presParOf" srcId="{74570E27-018F-B940-BB51-50662FBE05FD}" destId="{68DBDC1D-DF05-DE48-ABAF-D087D470228C}" srcOrd="4" destOrd="0" presId="urn:microsoft.com/office/officeart/2005/8/layout/process1"/>
+    <dgm:cxn modelId="{0DBBA920-35B5-0C4A-B9B8-9DA6258D3E77}" type="presParOf" srcId="{74570E27-018F-B940-BB51-50662FBE05FD}" destId="{47DF74C3-BD1B-934A-B2B8-3E5ED5DEF554}" srcOrd="5" destOrd="0" presId="urn:microsoft.com/office/officeart/2005/8/layout/process1"/>
     <dgm:cxn modelId="{604B790C-6DFF-4446-88F6-D45CB14230EB}" type="presParOf" srcId="{47DF74C3-BD1B-934A-B2B8-3E5ED5DEF554}" destId="{B7BDEF29-CA1C-274A-AE16-4691A40ADF29}" srcOrd="0" destOrd="0" presId="urn:microsoft.com/office/officeart/2005/8/layout/process1"/>
-    <dgm:cxn modelId="{C10B8377-22CC-8E4D-9FCF-79FAEC6194F3}" type="presParOf" srcId="{74570E27-018F-B940-BB51-50662FBE05FD}" destId="{69ACE686-5472-E346-BB92-D663E1D664A2}" srcOrd="4" destOrd="0" presId="urn:microsoft.com/office/officeart/2005/8/layout/process1"/>
-    <dgm:cxn modelId="{7AF00F61-29A6-CC48-B0BA-329EC17EC54B}" type="presParOf" srcId="{74570E27-018F-B940-BB51-50662FBE05FD}" destId="{088CBA1E-C3FE-6448-8164-1AC3056B689A}" srcOrd="5" destOrd="0" presId="urn:microsoft.com/office/officeart/2005/8/layout/process1"/>
+    <dgm:cxn modelId="{C10B8377-22CC-8E4D-9FCF-79FAEC6194F3}" type="presParOf" srcId="{74570E27-018F-B940-BB51-50662FBE05FD}" destId="{69ACE686-5472-E346-BB92-D663E1D664A2}" srcOrd="6" destOrd="0" presId="urn:microsoft.com/office/officeart/2005/8/layout/process1"/>
+    <dgm:cxn modelId="{7AF00F61-29A6-CC48-B0BA-329EC17EC54B}" type="presParOf" srcId="{74570E27-018F-B940-BB51-50662FBE05FD}" destId="{088CBA1E-C3FE-6448-8164-1AC3056B689A}" srcOrd="7" destOrd="0" presId="urn:microsoft.com/office/officeart/2005/8/layout/process1"/>
     <dgm:cxn modelId="{46BB7985-76A0-DA49-92F8-8A1B820F4326}" type="presParOf" srcId="{088CBA1E-C3FE-6448-8164-1AC3056B689A}" destId="{B9DF1A73-3678-594A-B10A-7B724F3ED148}" srcOrd="0" destOrd="0" presId="urn:microsoft.com/office/officeart/2005/8/layout/process1"/>
-    <dgm:cxn modelId="{26D55D08-5607-A347-9D63-89A8E7F5DBFA}" type="presParOf" srcId="{74570E27-018F-B940-BB51-50662FBE05FD}" destId="{32CCE57F-ED38-8649-8E90-F2550D1DDF61}" srcOrd="6" destOrd="0" presId="urn:microsoft.com/office/officeart/2005/8/layout/process1"/>
+    <dgm:cxn modelId="{26D55D08-5607-A347-9D63-89A8E7F5DBFA}" type="presParOf" srcId="{74570E27-018F-B940-BB51-50662FBE05FD}" destId="{32CCE57F-ED38-8649-8E90-F2550D1DDF61}" srcOrd="8" destOrd="0" presId="urn:microsoft.com/office/officeart/2005/8/layout/process1"/>
   </dgm:cxnLst>
   <dgm:bg/>
   <dgm:whole/>
@@ -1168,8 +1297,8 @@
       </dsp:nvSpPr>
       <dsp:spPr>
         <a:xfrm>
-          <a:off x="4893" y="2067431"/>
-          <a:ext cx="2139672" cy="1283803"/>
+          <a:off x="5437" y="2085120"/>
+          <a:ext cx="1685637" cy="1248425"/>
         </a:xfrm>
         <a:prstGeom prst="roundRect">
           <a:avLst>
@@ -1217,12 +1346,12 @@
         </a:fontRef>
       </dsp:style>
       <dsp:txBody>
-        <a:bodyPr spcFirstLastPara="0" vert="horz" wrap="square" lIns="72390" tIns="72390" rIns="72390" bIns="72390" numCol="1" spcCol="1270" anchor="ctr" anchorCtr="0">
+        <a:bodyPr spcFirstLastPara="0" vert="horz" wrap="square" lIns="68580" tIns="68580" rIns="68580" bIns="68580" numCol="1" spcCol="1270" anchor="ctr" anchorCtr="0">
           <a:noAutofit/>
         </a:bodyPr>
         <a:lstStyle/>
         <a:p>
-          <a:pPr lvl="0" algn="ctr" defTabSz="844550">
+          <a:pPr lvl="0" algn="ctr" defTabSz="800100">
             <a:lnSpc>
               <a:spcPct val="90000"/>
             </a:lnSpc>
@@ -1234,19 +1363,15 @@
             </a:spcAft>
           </a:pPr>
           <a:r>
-            <a:rPr lang="fr-FR" sz="1900" kern="1200" dirty="0" smtClean="0"/>
-            <a:t>Home page + </a:t>
+            <a:rPr lang="fr-FR" sz="1800" kern="1200" smtClean="0"/>
+            <a:t>Définition besoin client</a:t>
           </a:r>
-          <a:r>
-            <a:rPr lang="fr-FR" sz="1900" kern="1200" dirty="0" err="1" smtClean="0"/>
-            <a:t>template</a:t>
-          </a:r>
-          <a:endParaRPr lang="fr-FR" sz="1900" kern="1200" dirty="0"/>
+          <a:endParaRPr lang="fr-FR" sz="1800" kern="1200" dirty="0"/>
         </a:p>
       </dsp:txBody>
       <dsp:txXfrm>
-        <a:off x="42494" y="2105032"/>
-        <a:ext cx="2064470" cy="1208601"/>
+        <a:off x="42002" y="2121685"/>
+        <a:ext cx="1612507" cy="1175295"/>
       </dsp:txXfrm>
     </dsp:sp>
     <dsp:sp modelId="{67AB7D3B-32FC-224E-82D5-9B5D74268CAC}">
@@ -1256,8 +1381,8 @@
       </dsp:nvSpPr>
       <dsp:spPr>
         <a:xfrm>
-          <a:off x="2358533" y="2444014"/>
-          <a:ext cx="453610" cy="530638"/>
+          <a:off x="1859639" y="2500314"/>
+          <a:ext cx="357355" cy="418038"/>
         </a:xfrm>
         <a:prstGeom prst="rightArrow">
           <a:avLst>
@@ -1313,7 +1438,7 @@
         </a:bodyPr>
         <a:lstStyle/>
         <a:p>
-          <a:pPr lvl="0" algn="ctr" defTabSz="977900">
+          <a:pPr lvl="0" algn="ctr" defTabSz="622300">
             <a:lnSpc>
               <a:spcPct val="90000"/>
             </a:lnSpc>
@@ -1324,23 +1449,23 @@
               <a:spcPct val="35000"/>
             </a:spcAft>
           </a:pPr>
-          <a:endParaRPr lang="fr-FR" sz="2200" kern="1200"/>
+          <a:endParaRPr lang="fr-FR" sz="1400" kern="1200"/>
         </a:p>
       </dsp:txBody>
       <dsp:txXfrm>
-        <a:off x="2358533" y="2550142"/>
-        <a:ext cx="317527" cy="318382"/>
+        <a:off x="1859639" y="2583922"/>
+        <a:ext cx="250149" cy="250822"/>
       </dsp:txXfrm>
     </dsp:sp>
-    <dsp:sp modelId="{68DBDC1D-DF05-DE48-ABAF-D087D470228C}">
+    <dsp:sp modelId="{BBF07634-A12A-D34C-8305-7A0146DEE4E8}">
       <dsp:nvSpPr>
         <dsp:cNvPr id="0" name=""/>
         <dsp:cNvSpPr/>
       </dsp:nvSpPr>
       <dsp:spPr>
         <a:xfrm>
-          <a:off x="3000435" y="2067431"/>
-          <a:ext cx="2139672" cy="1283803"/>
+          <a:off x="2365330" y="2085120"/>
+          <a:ext cx="1685637" cy="1248425"/>
         </a:xfrm>
         <a:prstGeom prst="roundRect">
           <a:avLst>
@@ -1388,12 +1513,12 @@
         </a:fontRef>
       </dsp:style>
       <dsp:txBody>
-        <a:bodyPr spcFirstLastPara="0" vert="horz" wrap="square" lIns="72390" tIns="72390" rIns="72390" bIns="72390" numCol="1" spcCol="1270" anchor="ctr" anchorCtr="0">
+        <a:bodyPr spcFirstLastPara="0" vert="horz" wrap="square" lIns="68580" tIns="68580" rIns="68580" bIns="68580" numCol="1" spcCol="1270" anchor="ctr" anchorCtr="0">
           <a:noAutofit/>
         </a:bodyPr>
         <a:lstStyle/>
         <a:p>
-          <a:pPr lvl="0" algn="ctr" defTabSz="844550">
+          <a:pPr lvl="0" algn="ctr" defTabSz="800100">
             <a:lnSpc>
               <a:spcPct val="90000"/>
             </a:lnSpc>
@@ -1405,26 +1530,34 @@
             </a:spcAft>
           </a:pPr>
           <a:r>
-            <a:rPr lang="fr-FR" sz="1900" kern="1200" dirty="0" smtClean="0"/>
-            <a:t>Section Admin</a:t>
+            <a:rPr lang="fr-FR" sz="1800" kern="1200" dirty="0" smtClean="0"/>
+            <a:t>Home page + </a:t>
           </a:r>
-          <a:endParaRPr lang="fr-FR" sz="1900" kern="1200" dirty="0"/>
+          <a:r>
+            <a:rPr lang="fr-FR" sz="1800" kern="1200" dirty="0" err="1" smtClean="0"/>
+            <a:t>templates</a:t>
+          </a:r>
+          <a:r>
+            <a:rPr lang="fr-FR" sz="1800" kern="1200" dirty="0" smtClean="0"/>
+            <a:t> (pages)</a:t>
+          </a:r>
+          <a:endParaRPr lang="fr-FR" sz="1800" kern="1200" dirty="0"/>
         </a:p>
       </dsp:txBody>
       <dsp:txXfrm>
-        <a:off x="3038036" y="2105032"/>
-        <a:ext cx="2064470" cy="1208601"/>
+        <a:off x="2401895" y="2121685"/>
+        <a:ext cx="1612507" cy="1175295"/>
       </dsp:txXfrm>
     </dsp:sp>
-    <dsp:sp modelId="{47DF74C3-BD1B-934A-B2B8-3E5ED5DEF554}">
+    <dsp:sp modelId="{3B2CF1D1-1949-AB43-AED4-DA821E50CA69}">
       <dsp:nvSpPr>
         <dsp:cNvPr id="0" name=""/>
         <dsp:cNvSpPr/>
       </dsp:nvSpPr>
       <dsp:spPr>
         <a:xfrm>
-          <a:off x="5354075" y="2444014"/>
-          <a:ext cx="453610" cy="530638"/>
+          <a:off x="4219532" y="2500314"/>
+          <a:ext cx="357355" cy="418038"/>
         </a:xfrm>
         <a:prstGeom prst="rightArrow">
           <a:avLst>
@@ -1480,7 +1613,7 @@
         </a:bodyPr>
         <a:lstStyle/>
         <a:p>
-          <a:pPr lvl="0" algn="ctr" defTabSz="977900">
+          <a:pPr lvl="0" algn="ctr" defTabSz="622300">
             <a:lnSpc>
               <a:spcPct val="90000"/>
             </a:lnSpc>
@@ -1491,23 +1624,23 @@
               <a:spcPct val="35000"/>
             </a:spcAft>
           </a:pPr>
-          <a:endParaRPr lang="fr-FR" sz="2200" kern="1200"/>
+          <a:endParaRPr lang="fr-FR" sz="1400" kern="1200"/>
         </a:p>
       </dsp:txBody>
       <dsp:txXfrm>
-        <a:off x="5354075" y="2550142"/>
-        <a:ext cx="317527" cy="318382"/>
+        <a:off x="4219532" y="2583922"/>
+        <a:ext cx="250149" cy="250822"/>
       </dsp:txXfrm>
     </dsp:sp>
-    <dsp:sp modelId="{69ACE686-5472-E346-BB92-D663E1D664A2}">
+    <dsp:sp modelId="{68DBDC1D-DF05-DE48-ABAF-D087D470228C}">
       <dsp:nvSpPr>
         <dsp:cNvPr id="0" name=""/>
         <dsp:cNvSpPr/>
       </dsp:nvSpPr>
       <dsp:spPr>
         <a:xfrm>
-          <a:off x="5995977" y="2067431"/>
-          <a:ext cx="2139672" cy="1283803"/>
+          <a:off x="4725223" y="2085120"/>
+          <a:ext cx="1685637" cy="1248425"/>
         </a:xfrm>
         <a:prstGeom prst="roundRect">
           <a:avLst>
@@ -1555,12 +1688,12 @@
         </a:fontRef>
       </dsp:style>
       <dsp:txBody>
-        <a:bodyPr spcFirstLastPara="0" vert="horz" wrap="square" lIns="72390" tIns="72390" rIns="72390" bIns="72390" numCol="1" spcCol="1270" anchor="ctr" anchorCtr="0">
+        <a:bodyPr spcFirstLastPara="0" vert="horz" wrap="square" lIns="68580" tIns="68580" rIns="68580" bIns="68580" numCol="1" spcCol="1270" anchor="ctr" anchorCtr="0">
           <a:noAutofit/>
         </a:bodyPr>
         <a:lstStyle/>
         <a:p>
-          <a:pPr lvl="0" algn="ctr" defTabSz="844550">
+          <a:pPr lvl="0" algn="ctr" defTabSz="800100">
             <a:lnSpc>
               <a:spcPct val="90000"/>
             </a:lnSpc>
@@ -1572,38 +1705,26 @@
             </a:spcAft>
           </a:pPr>
           <a:r>
-            <a:rPr lang="fr-FR" sz="1900" kern="1200" dirty="0" smtClean="0"/>
-            <a:t>Fonction</a:t>
+            <a:rPr lang="fr-FR" sz="1800" kern="1200" dirty="0" smtClean="0"/>
+            <a:t>Section Admin</a:t>
           </a:r>
-          <a:r>
-            <a:rPr lang="fr-FR" sz="1900" kern="1200" baseline="0" dirty="0" smtClean="0"/>
-            <a:t> avancées (calendrier, paiement,, </a:t>
-          </a:r>
-          <a:r>
-            <a:rPr lang="mr-IN" sz="1900" kern="1200" baseline="0" dirty="0" smtClean="0"/>
-            <a:t>…</a:t>
-          </a:r>
-          <a:r>
-            <a:rPr lang="fr-FR" sz="1900" kern="1200" baseline="0" dirty="0" smtClean="0"/>
-            <a:t>)</a:t>
-          </a:r>
-          <a:endParaRPr lang="fr-FR" sz="1900" kern="1200" dirty="0"/>
+          <a:endParaRPr lang="fr-FR" sz="1800" kern="1200" dirty="0"/>
         </a:p>
       </dsp:txBody>
       <dsp:txXfrm>
-        <a:off x="6033578" y="2105032"/>
-        <a:ext cx="2064470" cy="1208601"/>
+        <a:off x="4761788" y="2121685"/>
+        <a:ext cx="1612507" cy="1175295"/>
       </dsp:txXfrm>
     </dsp:sp>
-    <dsp:sp modelId="{088CBA1E-C3FE-6448-8164-1AC3056B689A}">
+    <dsp:sp modelId="{47DF74C3-BD1B-934A-B2B8-3E5ED5DEF554}">
       <dsp:nvSpPr>
         <dsp:cNvPr id="0" name=""/>
         <dsp:cNvSpPr/>
       </dsp:nvSpPr>
       <dsp:spPr>
         <a:xfrm>
-          <a:off x="8349616" y="2444014"/>
-          <a:ext cx="453610" cy="530638"/>
+          <a:off x="6579425" y="2500314"/>
+          <a:ext cx="357355" cy="418038"/>
         </a:xfrm>
         <a:prstGeom prst="rightArrow">
           <a:avLst>
@@ -1659,7 +1780,7 @@
         </a:bodyPr>
         <a:lstStyle/>
         <a:p>
-          <a:pPr lvl="0" algn="ctr" defTabSz="977900">
+          <a:pPr lvl="0" algn="ctr" defTabSz="622300">
             <a:lnSpc>
               <a:spcPct val="90000"/>
             </a:lnSpc>
@@ -1670,23 +1791,23 @@
               <a:spcPct val="35000"/>
             </a:spcAft>
           </a:pPr>
-          <a:endParaRPr lang="fr-FR" sz="2200" kern="1200"/>
+          <a:endParaRPr lang="fr-FR" sz="1400" kern="1200"/>
         </a:p>
       </dsp:txBody>
       <dsp:txXfrm>
-        <a:off x="8349616" y="2550142"/>
-        <a:ext cx="317527" cy="318382"/>
+        <a:off x="6579425" y="2583922"/>
+        <a:ext cx="250149" cy="250822"/>
       </dsp:txXfrm>
     </dsp:sp>
-    <dsp:sp modelId="{32CCE57F-ED38-8649-8E90-F2550D1DDF61}">
+    <dsp:sp modelId="{69ACE686-5472-E346-BB92-D663E1D664A2}">
       <dsp:nvSpPr>
         <dsp:cNvPr id="0" name=""/>
         <dsp:cNvSpPr/>
       </dsp:nvSpPr>
       <dsp:spPr>
         <a:xfrm>
-          <a:off x="8991518" y="2067431"/>
-          <a:ext cx="2139672" cy="1283803"/>
+          <a:off x="7085116" y="2085120"/>
+          <a:ext cx="1685637" cy="1248425"/>
         </a:xfrm>
         <a:prstGeom prst="roundRect">
           <a:avLst>
@@ -1734,12 +1855,12 @@
         </a:fontRef>
       </dsp:style>
       <dsp:txBody>
-        <a:bodyPr spcFirstLastPara="0" vert="horz" wrap="square" lIns="72390" tIns="72390" rIns="72390" bIns="72390" numCol="1" spcCol="1270" anchor="ctr" anchorCtr="0">
+        <a:bodyPr spcFirstLastPara="0" vert="horz" wrap="square" lIns="68580" tIns="68580" rIns="68580" bIns="68580" numCol="1" spcCol="1270" anchor="ctr" anchorCtr="0">
           <a:noAutofit/>
         </a:bodyPr>
         <a:lstStyle/>
         <a:p>
-          <a:pPr lvl="0" algn="ctr" defTabSz="844550">
+          <a:pPr lvl="0" algn="ctr" defTabSz="800100">
             <a:lnSpc>
               <a:spcPct val="90000"/>
             </a:lnSpc>
@@ -1751,15 +1872,198 @@
             </a:spcAft>
           </a:pPr>
           <a:r>
-            <a:rPr lang="fr-FR" sz="1900" kern="1200" dirty="0" smtClean="0"/>
-            <a:t>Finitions / Tests / production</a:t>
+            <a:rPr lang="fr-FR" sz="1800" kern="1200" smtClean="0"/>
+            <a:t>Fonction</a:t>
           </a:r>
-          <a:endParaRPr lang="fr-FR" sz="1900" kern="1200" dirty="0"/>
+          <a:r>
+            <a:rPr lang="fr-FR" sz="1800" kern="1200" baseline="0" smtClean="0"/>
+            <a:t> </a:t>
+          </a:r>
+          <a:r>
+            <a:rPr lang="fr-FR" sz="1800" kern="1200" baseline="0" dirty="0" smtClean="0"/>
+            <a:t>avancées (calendrier, paiement,, </a:t>
+          </a:r>
+          <a:r>
+            <a:rPr lang="mr-IN" sz="1800" kern="1200" baseline="0" dirty="0" smtClean="0"/>
+            <a:t>…</a:t>
+          </a:r>
+          <a:r>
+            <a:rPr lang="fr-FR" sz="1800" kern="1200" baseline="0" dirty="0" smtClean="0"/>
+            <a:t>)</a:t>
+          </a:r>
+          <a:endParaRPr lang="fr-FR" sz="1800" kern="1200" dirty="0"/>
         </a:p>
       </dsp:txBody>
       <dsp:txXfrm>
-        <a:off x="9029119" y="2105032"/>
-        <a:ext cx="2064470" cy="1208601"/>
+        <a:off x="7121681" y="2121685"/>
+        <a:ext cx="1612507" cy="1175295"/>
+      </dsp:txXfrm>
+    </dsp:sp>
+    <dsp:sp modelId="{088CBA1E-C3FE-6448-8164-1AC3056B689A}">
+      <dsp:nvSpPr>
+        <dsp:cNvPr id="0" name=""/>
+        <dsp:cNvSpPr/>
+      </dsp:nvSpPr>
+      <dsp:spPr>
+        <a:xfrm>
+          <a:off x="8939318" y="2500314"/>
+          <a:ext cx="357355" cy="418038"/>
+        </a:xfrm>
+        <a:prstGeom prst="rightArrow">
+          <a:avLst>
+            <a:gd name="adj1" fmla="val 60000"/>
+            <a:gd name="adj2" fmla="val 50000"/>
+          </a:avLst>
+        </a:prstGeom>
+        <a:blipFill rotWithShape="0">
+          <a:blip xmlns:r="http://schemas.openxmlformats.org/officeDocument/2006/relationships" r:embed="rId1">
+            <a:duotone>
+              <a:schemeClr val="accent1">
+                <a:tint val="60000"/>
+                <a:hueOff val="0"/>
+                <a:satOff val="0"/>
+                <a:lumOff val="0"/>
+                <a:alphaOff val="0"/>
+                <a:shade val="88000"/>
+                <a:lumMod val="88000"/>
+              </a:schemeClr>
+              <a:schemeClr val="accent1">
+                <a:tint val="60000"/>
+                <a:hueOff val="0"/>
+                <a:satOff val="0"/>
+                <a:lumOff val="0"/>
+                <a:alphaOff val="0"/>
+              </a:schemeClr>
+            </a:duotone>
+          </a:blip>
+          <a:tile tx="0" ty="0" sx="100000" sy="100000" flip="none" algn="tl"/>
+        </a:blipFill>
+        <a:ln>
+          <a:noFill/>
+        </a:ln>
+        <a:effectLst/>
+      </dsp:spPr>
+      <dsp:style>
+        <a:lnRef idx="0">
+          <a:scrgbClr r="0" g="0" b="0"/>
+        </a:lnRef>
+        <a:fillRef idx="3">
+          <a:scrgbClr r="0" g="0" b="0"/>
+        </a:fillRef>
+        <a:effectRef idx="2">
+          <a:scrgbClr r="0" g="0" b="0"/>
+        </a:effectRef>
+        <a:fontRef idx="minor">
+          <a:schemeClr val="lt1"/>
+        </a:fontRef>
+      </dsp:style>
+      <dsp:txBody>
+        <a:bodyPr spcFirstLastPara="0" vert="horz" wrap="square" lIns="0" tIns="0" rIns="0" bIns="0" numCol="1" spcCol="1270" anchor="ctr" anchorCtr="0">
+          <a:noAutofit/>
+        </a:bodyPr>
+        <a:lstStyle/>
+        <a:p>
+          <a:pPr lvl="0" algn="ctr" defTabSz="622300">
+            <a:lnSpc>
+              <a:spcPct val="90000"/>
+            </a:lnSpc>
+            <a:spcBef>
+              <a:spcPct val="0"/>
+            </a:spcBef>
+            <a:spcAft>
+              <a:spcPct val="35000"/>
+            </a:spcAft>
+          </a:pPr>
+          <a:endParaRPr lang="fr-FR" sz="1400" kern="1200"/>
+        </a:p>
+      </dsp:txBody>
+      <dsp:txXfrm>
+        <a:off x="8939318" y="2583922"/>
+        <a:ext cx="250149" cy="250822"/>
+      </dsp:txXfrm>
+    </dsp:sp>
+    <dsp:sp modelId="{32CCE57F-ED38-8649-8E90-F2550D1DDF61}">
+      <dsp:nvSpPr>
+        <dsp:cNvPr id="0" name=""/>
+        <dsp:cNvSpPr/>
+      </dsp:nvSpPr>
+      <dsp:spPr>
+        <a:xfrm>
+          <a:off x="9445009" y="2085120"/>
+          <a:ext cx="1685637" cy="1248425"/>
+        </a:xfrm>
+        <a:prstGeom prst="roundRect">
+          <a:avLst>
+            <a:gd name="adj" fmla="val 10000"/>
+          </a:avLst>
+        </a:prstGeom>
+        <a:blipFill rotWithShape="0">
+          <a:blip xmlns:r="http://schemas.openxmlformats.org/officeDocument/2006/relationships" r:embed="rId1">
+            <a:duotone>
+              <a:schemeClr val="accent1">
+                <a:hueOff val="0"/>
+                <a:satOff val="0"/>
+                <a:lumOff val="0"/>
+                <a:alphaOff val="0"/>
+                <a:shade val="88000"/>
+                <a:lumMod val="88000"/>
+              </a:schemeClr>
+              <a:schemeClr val="accent1">
+                <a:hueOff val="0"/>
+                <a:satOff val="0"/>
+                <a:lumOff val="0"/>
+                <a:alphaOff val="0"/>
+              </a:schemeClr>
+            </a:duotone>
+          </a:blip>
+          <a:tile tx="0" ty="0" sx="100000" sy="100000" flip="none" algn="tl"/>
+        </a:blipFill>
+        <a:ln>
+          <a:noFill/>
+        </a:ln>
+        <a:effectLst/>
+      </dsp:spPr>
+      <dsp:style>
+        <a:lnRef idx="0">
+          <a:scrgbClr r="0" g="0" b="0"/>
+        </a:lnRef>
+        <a:fillRef idx="3">
+          <a:scrgbClr r="0" g="0" b="0"/>
+        </a:fillRef>
+        <a:effectRef idx="2">
+          <a:scrgbClr r="0" g="0" b="0"/>
+        </a:effectRef>
+        <a:fontRef idx="minor">
+          <a:schemeClr val="lt1"/>
+        </a:fontRef>
+      </dsp:style>
+      <dsp:txBody>
+        <a:bodyPr spcFirstLastPara="0" vert="horz" wrap="square" lIns="68580" tIns="68580" rIns="68580" bIns="68580" numCol="1" spcCol="1270" anchor="ctr" anchorCtr="0">
+          <a:noAutofit/>
+        </a:bodyPr>
+        <a:lstStyle/>
+        <a:p>
+          <a:pPr lvl="0" algn="ctr" defTabSz="800100">
+            <a:lnSpc>
+              <a:spcPct val="90000"/>
+            </a:lnSpc>
+            <a:spcBef>
+              <a:spcPct val="0"/>
+            </a:spcBef>
+            <a:spcAft>
+              <a:spcPct val="35000"/>
+            </a:spcAft>
+          </a:pPr>
+          <a:r>
+            <a:rPr lang="fr-FR" sz="1800" kern="1200" dirty="0" smtClean="0"/>
+            <a:t>Finitions / Tests / production</a:t>
+          </a:r>
+          <a:endParaRPr lang="fr-FR" sz="1800" kern="1200" dirty="0"/>
+        </a:p>
+      </dsp:txBody>
+      <dsp:txXfrm>
+        <a:off x="9481574" y="2121685"/>
+        <a:ext cx="1612507" cy="1175295"/>
       </dsp:txXfrm>
     </dsp:sp>
   </dsp:spTree>
@@ -3399,7 +3703,7 @@
           <a:p>
             <a:fld id="{F7AFFB9B-9FB8-469E-96F9-4D32314110B6}" type="datetimeFigureOut">
               <a:rPr lang="en-US" dirty="0"/>
-              <a:t>4/4/19</a:t>
+              <a:t>4/5/19</a:t>
             </a:fld>
             <a:endParaRPr lang="en-US" dirty="0"/>
           </a:p>
@@ -3727,7 +4031,7 @@
           <a:p>
             <a:fld id="{341D2AC3-6A0B-4169-B1EA-E3AE8B351BDD}" type="datetimeFigureOut">
               <a:rPr lang="en-US" dirty="0"/>
-              <a:t>4/4/19</a:t>
+              <a:t>4/5/19</a:t>
             </a:fld>
             <a:endParaRPr lang="en-US" dirty="0"/>
           </a:p>
@@ -3918,7 +4222,7 @@
           <a:p>
             <a:fld id="{DD4B9363-8B87-41B7-9F8E-64519CBB8F34}" type="datetimeFigureOut">
               <a:rPr lang="en-US" dirty="0"/>
-              <a:t>4/4/19</a:t>
+              <a:t>4/5/19</a:t>
             </a:fld>
             <a:endParaRPr lang="en-US" dirty="0"/>
           </a:p>
@@ -4183,7 +4487,7 @@
           <a:p>
             <a:fld id="{EAEF5746-5284-4951-9F37-7AE924EDBCB7}" type="datetimeFigureOut">
               <a:rPr lang="en-US" dirty="0"/>
-              <a:t>4/4/19</a:t>
+              <a:t>4/5/19</a:t>
             </a:fld>
             <a:endParaRPr lang="en-US" dirty="0"/>
           </a:p>
@@ -4606,7 +4910,7 @@
           <a:p>
             <a:fld id="{02398B29-7265-4A65-A2A4-6703C057B7C1}" type="datetimeFigureOut">
               <a:rPr lang="en-US" dirty="0"/>
-              <a:t>4/4/19</a:t>
+              <a:t>4/5/19</a:t>
             </a:fld>
             <a:endParaRPr lang="en-US" dirty="0"/>
           </a:p>
@@ -5151,7 +5455,7 @@
           <a:p>
             <a:fld id="{28FBA082-94DF-4C4B-A041-6624924AB0A8}" type="datetimeFigureOut">
               <a:rPr lang="en-US" dirty="0"/>
-              <a:t>4/4/19</a:t>
+              <a:t>4/5/19</a:t>
             </a:fld>
             <a:endParaRPr lang="en-US" dirty="0"/>
           </a:p>
@@ -5936,7 +6240,7 @@
           <a:p>
             <a:fld id="{B27686C4-3AB5-4E0C-86CA-FB108C350AA9}" type="datetimeFigureOut">
               <a:rPr lang="en-US" dirty="0"/>
-              <a:t>4/4/19</a:t>
+              <a:t>4/5/19</a:t>
             </a:fld>
             <a:endParaRPr lang="en-US" dirty="0"/>
           </a:p>
@@ -6110,7 +6414,7 @@
           <a:p>
             <a:fld id="{49FF1211-4E0C-4AB3-B04F-585959BDAFE8}" type="datetimeFigureOut">
               <a:rPr lang="en-US" dirty="0"/>
-              <a:t>4/4/19</a:t>
+              <a:t>4/5/19</a:t>
             </a:fld>
             <a:endParaRPr lang="en-US" dirty="0"/>
           </a:p>
@@ -6289,7 +6593,7 @@
           <a:p>
             <a:fld id="{28BDECAF-D3BE-4069-9C78-642ECCD01477}" type="datetimeFigureOut">
               <a:rPr lang="en-US" dirty="0"/>
-              <a:t>4/4/19</a:t>
+              <a:t>4/5/19</a:t>
             </a:fld>
             <a:endParaRPr lang="en-US" dirty="0"/>
           </a:p>
@@ -6459,7 +6763,7 @@
           <a:p>
             <a:fld id="{8EFBDC27-E420-4878-9EE6-7B9656D6442A}" type="datetimeFigureOut">
               <a:rPr lang="en-US" dirty="0"/>
-              <a:t>4/4/19</a:t>
+              <a:t>4/5/19</a:t>
             </a:fld>
             <a:endParaRPr lang="en-US" dirty="0"/>
           </a:p>
@@ -6704,7 +7008,7 @@
           <a:p>
             <a:fld id="{0F7F47CF-67C9-420C-80A5-E2069FF0C2DF}" type="datetimeFigureOut">
               <a:rPr lang="en-US" dirty="0"/>
-              <a:t>4/4/19</a:t>
+              <a:t>4/5/19</a:t>
             </a:fld>
             <a:endParaRPr lang="en-US" dirty="0"/>
           </a:p>
@@ -6936,7 +7240,7 @@
           <a:p>
             <a:fld id="{AE22DC73-F065-42F5-A9F2-D90B2E42A0B3}" type="datetimeFigureOut">
               <a:rPr lang="en-US" dirty="0"/>
-              <a:t>4/4/19</a:t>
+              <a:t>4/5/19</a:t>
             </a:fld>
             <a:endParaRPr lang="en-US" dirty="0"/>
           </a:p>
@@ -7316,7 +7620,7 @@
           <a:p>
             <a:fld id="{76BEA702-9B29-41CC-9BCC-3DF8A0D379FE}" type="datetimeFigureOut">
               <a:rPr lang="en-US" dirty="0"/>
-              <a:t>4/4/19</a:t>
+              <a:t>4/5/19</a:t>
             </a:fld>
             <a:endParaRPr lang="en-US" dirty="0"/>
           </a:p>
@@ -7429,7 +7733,7 @@
           <a:p>
             <a:fld id="{097649AC-CB8F-4FF1-9A34-5861C74DD0A7}" type="datetimeFigureOut">
               <a:rPr lang="en-US" dirty="0"/>
-              <a:t>4/4/19</a:t>
+              <a:t>4/5/19</a:t>
             </a:fld>
             <a:endParaRPr lang="en-US" dirty="0"/>
           </a:p>
@@ -7519,7 +7823,7 @@
           <a:p>
             <a:fld id="{3EC5CECA-2D3A-4680-9B49-752200DE467C}" type="datetimeFigureOut">
               <a:rPr lang="en-US" dirty="0"/>
-              <a:t>4/4/19</a:t>
+              <a:t>4/5/19</a:t>
             </a:fld>
             <a:endParaRPr lang="en-US" dirty="0"/>
           </a:p>
@@ -7767,7 +8071,7 @@
           <a:p>
             <a:fld id="{50C3BFE2-83B7-4B0A-B9D3-AB28331082B3}" type="datetimeFigureOut">
               <a:rPr lang="en-US" dirty="0"/>
-              <a:t>4/4/19</a:t>
+              <a:t>4/5/19</a:t>
             </a:fld>
             <a:endParaRPr lang="en-US" dirty="0"/>
           </a:p>
@@ -8031,7 +8335,7 @@
           <a:p>
             <a:fld id="{12EF78E3-FDA3-4D28-AAA2-0B81F349A39D}" type="datetimeFigureOut">
               <a:rPr lang="en-US" dirty="0"/>
-              <a:t>4/4/19</a:t>
+              <a:t>4/5/19</a:t>
             </a:fld>
             <a:endParaRPr lang="en-US" dirty="0"/>
           </a:p>
@@ -8429,7 +8733,7 @@
           <a:p>
             <a:fld id="{C35BB1C6-BF8F-4481-8AB2-603A1C8A906A}" type="datetimeFigureOut">
               <a:rPr lang="en-US" dirty="0"/>
-              <a:t>4/4/19</a:t>
+              <a:t>4/5/19</a:t>
             </a:fld>
             <a:endParaRPr lang="en-US" dirty="0"/>
           </a:p>
@@ -9295,7 +9599,7 @@
           <p:nvPr>
             <p:extLst>
               <p:ext uri="{D42A27DB-BD31-4B8C-83A1-F6EECF244321}">
-                <p14:modId xmlns:p14="http://schemas.microsoft.com/office/powerpoint/2010/main" val="1872921527"/>
+                <p14:modId xmlns:p14="http://schemas.microsoft.com/office/powerpoint/2010/main" val="834002481"/>
               </p:ext>
             </p:extLst>
           </p:nvPr>
@@ -9318,7 +9622,7 @@
         </p:nvSpPr>
         <p:spPr>
           <a:xfrm>
-            <a:off x="774246" y="4518932"/>
+            <a:off x="685801" y="4518932"/>
             <a:ext cx="1404258" cy="369332"/>
           </a:xfrm>
           <a:prstGeom prst="rect">
@@ -9365,7 +9669,7 @@
         </p:nvSpPr>
         <p:spPr>
           <a:xfrm>
-            <a:off x="9779593" y="4582796"/>
+            <a:off x="10123711" y="4518932"/>
             <a:ext cx="1404258" cy="369332"/>
           </a:xfrm>
           <a:prstGeom prst="rect">
@@ -9394,7 +9698,15 @@
                 <a:ea typeface="Al Nile" charset="-78"/>
                 <a:cs typeface="Al Nile" charset="-78"/>
               </a:rPr>
-              <a:t> 4</a:t>
+              <a:t> </a:t>
+            </a:r>
+            <a:r>
+              <a:rPr lang="fr-FR" dirty="0" smtClean="0">
+                <a:latin typeface="Al Nile" charset="-78"/>
+                <a:ea typeface="Al Nile" charset="-78"/>
+                <a:cs typeface="Al Nile" charset="-78"/>
+              </a:rPr>
+              <a:t>5</a:t>
             </a:r>
             <a:endParaRPr lang="fr-FR" dirty="0">
               <a:latin typeface="Al Nile" charset="-78"/>
@@ -9412,7 +9724,7 @@
         </p:nvSpPr>
         <p:spPr>
           <a:xfrm>
-            <a:off x="6915095" y="4518932"/>
+            <a:off x="5232697" y="4518932"/>
             <a:ext cx="1404258" cy="369332"/>
           </a:xfrm>
           <a:prstGeom prst="rect">
@@ -9459,7 +9771,7 @@
         </p:nvSpPr>
         <p:spPr>
           <a:xfrm>
-            <a:off x="3638744" y="4454400"/>
+            <a:off x="2979352" y="4518932"/>
             <a:ext cx="1404258" cy="369332"/>
           </a:xfrm>
           <a:prstGeom prst="rect">
@@ -9489,6 +9801,61 @@
                 <a:cs typeface="Al Nile" charset="-78"/>
               </a:rPr>
               <a:t> 2</a:t>
+            </a:r>
+            <a:endParaRPr lang="fr-FR" dirty="0">
+              <a:latin typeface="Al Nile" charset="-78"/>
+              <a:ea typeface="Al Nile" charset="-78"/>
+              <a:cs typeface="Al Nile" charset="-78"/>
+            </a:endParaRPr>
+          </a:p>
+        </p:txBody>
+      </p:sp>
+      <p:sp>
+        <p:nvSpPr>
+          <p:cNvPr id="9" name="ZoneTexte 8"/>
+          <p:cNvSpPr txBox="1"/>
+          <p:nvPr/>
+        </p:nvSpPr>
+        <p:spPr>
+          <a:xfrm>
+            <a:off x="7678204" y="4518932"/>
+            <a:ext cx="1404258" cy="369332"/>
+          </a:xfrm>
+          <a:prstGeom prst="rect">
+            <a:avLst/>
+          </a:prstGeom>
+          <a:noFill/>
+        </p:spPr>
+        <p:txBody>
+          <a:bodyPr wrap="square" rtlCol="0">
+            <a:spAutoFit/>
+          </a:bodyPr>
+          <a:lstStyle/>
+          <a:p>
+            <a:pPr algn="ctr"/>
+            <a:r>
+              <a:rPr lang="fr-FR" dirty="0" err="1" smtClean="0">
+                <a:latin typeface="Al Nile" charset="-78"/>
+                <a:ea typeface="Al Nile" charset="-78"/>
+                <a:cs typeface="Al Nile" charset="-78"/>
+              </a:rPr>
+              <a:t>Week</a:t>
+            </a:r>
+            <a:r>
+              <a:rPr lang="fr-FR" dirty="0" smtClean="0">
+                <a:latin typeface="Al Nile" charset="-78"/>
+                <a:ea typeface="Al Nile" charset="-78"/>
+                <a:cs typeface="Al Nile" charset="-78"/>
+              </a:rPr>
+              <a:t> </a:t>
+            </a:r>
+            <a:r>
+              <a:rPr lang="fr-FR" dirty="0" smtClean="0">
+                <a:latin typeface="Al Nile" charset="-78"/>
+                <a:ea typeface="Al Nile" charset="-78"/>
+                <a:cs typeface="Al Nile" charset="-78"/>
+              </a:rPr>
+              <a:t>4</a:t>
             </a:r>
             <a:endParaRPr lang="fr-FR" dirty="0">
               <a:latin typeface="Al Nile" charset="-78"/>
